--- a/lecture-slides/2019-10-18-oop.pptx
+++ b/lecture-slides/2019-10-18-oop.pptx
@@ -214,7 +214,7 @@
           <a:p>
             <a:fld id="{A677DEB0-5AA4-49C7-B0AD-AD047A002C4C}" type="datetimeFigureOut">
               <a:rPr lang="en-US" smtClean="0"/>
-              <a:t>10/16/19</a:t>
+              <a:t>10/20/19</a:t>
             </a:fld>
             <a:endParaRPr lang="en-US"/>
           </a:p>
@@ -880,7 +880,7 @@
           <a:p>
             <a:fld id="{1B52E0E1-344B-4E26-B5AD-CE86AB802485}" type="datetimeFigureOut">
               <a:rPr lang="en-US" smtClean="0"/>
-              <a:t>10/16/19</a:t>
+              <a:t>10/20/19</a:t>
             </a:fld>
             <a:endParaRPr lang="en-US"/>
           </a:p>
@@ -1078,7 +1078,7 @@
           <a:p>
             <a:fld id="{1B52E0E1-344B-4E26-B5AD-CE86AB802485}" type="datetimeFigureOut">
               <a:rPr lang="en-US" smtClean="0"/>
-              <a:t>10/16/19</a:t>
+              <a:t>10/20/19</a:t>
             </a:fld>
             <a:endParaRPr lang="en-US"/>
           </a:p>
@@ -1286,7 +1286,7 @@
           <a:p>
             <a:fld id="{1B52E0E1-344B-4E26-B5AD-CE86AB802485}" type="datetimeFigureOut">
               <a:rPr lang="en-US" smtClean="0"/>
-              <a:t>10/16/19</a:t>
+              <a:t>10/20/19</a:t>
             </a:fld>
             <a:endParaRPr lang="en-US"/>
           </a:p>
@@ -1484,7 +1484,7 @@
           <a:p>
             <a:fld id="{1B52E0E1-344B-4E26-B5AD-CE86AB802485}" type="datetimeFigureOut">
               <a:rPr lang="en-US" smtClean="0"/>
-              <a:t>10/16/19</a:t>
+              <a:t>10/20/19</a:t>
             </a:fld>
             <a:endParaRPr lang="en-US"/>
           </a:p>
@@ -1759,7 +1759,7 @@
           <a:p>
             <a:fld id="{1B52E0E1-344B-4E26-B5AD-CE86AB802485}" type="datetimeFigureOut">
               <a:rPr lang="en-US" smtClean="0"/>
-              <a:t>10/16/19</a:t>
+              <a:t>10/20/19</a:t>
             </a:fld>
             <a:endParaRPr lang="en-US"/>
           </a:p>
@@ -2024,7 +2024,7 @@
           <a:p>
             <a:fld id="{1B52E0E1-344B-4E26-B5AD-CE86AB802485}" type="datetimeFigureOut">
               <a:rPr lang="en-US" smtClean="0"/>
-              <a:t>10/16/19</a:t>
+              <a:t>10/20/19</a:t>
             </a:fld>
             <a:endParaRPr lang="en-US"/>
           </a:p>
@@ -2436,7 +2436,7 @@
           <a:p>
             <a:fld id="{1B52E0E1-344B-4E26-B5AD-CE86AB802485}" type="datetimeFigureOut">
               <a:rPr lang="en-US" smtClean="0"/>
-              <a:t>10/16/19</a:t>
+              <a:t>10/20/19</a:t>
             </a:fld>
             <a:endParaRPr lang="en-US"/>
           </a:p>
@@ -2577,7 +2577,7 @@
           <a:p>
             <a:fld id="{1B52E0E1-344B-4E26-B5AD-CE86AB802485}" type="datetimeFigureOut">
               <a:rPr lang="en-US" smtClean="0"/>
-              <a:t>10/16/19</a:t>
+              <a:t>10/20/19</a:t>
             </a:fld>
             <a:endParaRPr lang="en-US"/>
           </a:p>
@@ -2690,7 +2690,7 @@
           <a:p>
             <a:fld id="{1B52E0E1-344B-4E26-B5AD-CE86AB802485}" type="datetimeFigureOut">
               <a:rPr lang="en-US" smtClean="0"/>
-              <a:t>10/16/19</a:t>
+              <a:t>10/20/19</a:t>
             </a:fld>
             <a:endParaRPr lang="en-US"/>
           </a:p>
@@ -3001,7 +3001,7 @@
           <a:p>
             <a:fld id="{1B52E0E1-344B-4E26-B5AD-CE86AB802485}" type="datetimeFigureOut">
               <a:rPr lang="en-US" smtClean="0"/>
-              <a:t>10/16/19</a:t>
+              <a:t>10/20/19</a:t>
             </a:fld>
             <a:endParaRPr lang="en-US"/>
           </a:p>
@@ -3289,7 +3289,7 @@
           <a:p>
             <a:fld id="{1B52E0E1-344B-4E26-B5AD-CE86AB802485}" type="datetimeFigureOut">
               <a:rPr lang="en-US" smtClean="0"/>
-              <a:t>10/16/19</a:t>
+              <a:t>10/20/19</a:t>
             </a:fld>
             <a:endParaRPr lang="en-US"/>
           </a:p>
@@ -3530,7 +3530,7 @@
           <a:p>
             <a:fld id="{1B52E0E1-344B-4E26-B5AD-CE86AB802485}" type="datetimeFigureOut">
               <a:rPr lang="en-US" smtClean="0"/>
-              <a:t>10/16/19</a:t>
+              <a:t>10/20/19</a:t>
             </a:fld>
             <a:endParaRPr lang="en-US"/>
           </a:p>
@@ -4029,7 +4029,15 @@
             </a:pPr>
             <a:r>
               <a:rPr lang="en-US" sz="2000" dirty="0"/>
-              <a:t>Agenda for Wednesday, October 18</a:t>
+              <a:t>Agenda </a:t>
+            </a:r>
+            <a:r>
+              <a:rPr lang="en-US" sz="2000"/>
+              <a:t>for Friday, </a:t>
+            </a:r>
+            <a:r>
+              <a:rPr lang="en-US" sz="2000" dirty="0"/>
+              <a:t>October 18</a:t>
             </a:r>
             <a:r>
               <a:rPr lang="en-US" sz="2000" baseline="30000" dirty="0"/>
